--- a/Week 2 Dis.pptx
+++ b/Week 2 Dis.pptx
@@ -2972,7 +2972,7 @@
         </p:blipFill>
         <p:spPr bwMode="auto">
           <a:xfrm>
-            <a:off x="6715125" y="1095375"/>
+            <a:off x="6717177" y="1095375"/>
             <a:ext cx="4280535" cy="4280535"/>
           </a:xfrm>
           <a:prstGeom prst="rect">
@@ -3026,7 +3026,7 @@
         </p:blipFill>
         <p:spPr bwMode="auto">
           <a:xfrm>
-            <a:off x="1495425" y="1095375"/>
+            <a:off x="1494691" y="1095375"/>
             <a:ext cx="4410075" cy="4462398"/>
           </a:xfrm>
           <a:prstGeom prst="rect">
@@ -3108,7 +3108,7 @@
         </p:nvSpPr>
         <p:spPr>
           <a:xfrm>
-            <a:off x="10354058" y="2444304"/>
+            <a:off x="10389104" y="2471311"/>
             <a:ext cx="722733" cy="189800"/>
           </a:xfrm>
           <a:prstGeom prst="rect">
@@ -3133,15 +3133,7 @@
                 <a:ea typeface="Menlo" charset="0"/>
                 <a:cs typeface="Menlo" charset="0"/>
               </a:rPr>
-              <a:t>Car Renta</a:t>
-            </a:r>
-            <a:r>
-              <a:rPr lang="en-US" sz="600" dirty="0">
-                <a:latin typeface="Menlo" charset="0"/>
-                <a:ea typeface="Menlo" charset="0"/>
-                <a:cs typeface="Menlo" charset="0"/>
-              </a:rPr>
-              <a:t>l</a:t>
+              <a:t>%empty</a:t>
             </a:r>
             <a:endParaRPr lang="en-US" sz="600" dirty="0" smtClean="0">
               <a:latin typeface="Menlo" charset="0"/>
@@ -3184,8 +3176,13 @@
                 <a:ea typeface="Menlo" charset="0"/>
                 <a:cs typeface="Menlo" charset="0"/>
               </a:rPr>
-              <a:t>Airport Pickup</a:t>
-            </a:r>
+              <a:t>%empty</a:t>
+            </a:r>
+            <a:endParaRPr lang="en-US" sz="600" dirty="0" smtClean="0">
+              <a:latin typeface="Menlo" charset="0"/>
+              <a:ea typeface="Menlo" charset="0"/>
+              <a:cs typeface="Menlo" charset="0"/>
+            </a:endParaRPr>
           </a:p>
         </p:txBody>
       </p:sp>
@@ -3198,7 +3195,7 @@
         <p:spPr>
           <a:xfrm>
             <a:off x="10071747" y="2757475"/>
-            <a:ext cx="1098381" cy="276999"/>
+            <a:ext cx="1098381" cy="184666"/>
           </a:xfrm>
           <a:prstGeom prst="rect">
             <a:avLst/>
@@ -3222,8 +3219,13 @@
                 <a:ea typeface="Menlo" charset="0"/>
                 <a:cs typeface="Menlo" charset="0"/>
               </a:rPr>
-              <a:t>Gain familiarity of the new environment</a:t>
-            </a:r>
+              <a:t>%empty</a:t>
+            </a:r>
+            <a:endParaRPr lang="en-US" sz="600" dirty="0" smtClean="0">
+              <a:latin typeface="Menlo" charset="0"/>
+              <a:ea typeface="Menlo" charset="0"/>
+              <a:cs typeface="Menlo" charset="0"/>
+            </a:endParaRPr>
           </a:p>
         </p:txBody>
       </p:sp>
@@ -3312,7 +3314,7 @@
         <p:spPr>
           <a:xfrm>
             <a:off x="9285906" y="3356693"/>
-            <a:ext cx="490963" cy="184666"/>
+            <a:ext cx="958969" cy="276999"/>
           </a:xfrm>
           <a:prstGeom prst="rect">
             <a:avLst/>
@@ -3336,8 +3338,13 @@
                 <a:ea typeface="Menlo" charset="0"/>
                 <a:cs typeface="Menlo" charset="0"/>
               </a:rPr>
-              <a:t>Dining</a:t>
-            </a:r>
+              <a:t>Dining (national cuisine)</a:t>
+            </a:r>
+            <a:endParaRPr lang="en-US" sz="600" dirty="0" smtClean="0">
+              <a:latin typeface="Menlo" charset="0"/>
+              <a:ea typeface="Menlo" charset="0"/>
+              <a:cs typeface="Menlo" charset="0"/>
+            </a:endParaRPr>
           </a:p>
         </p:txBody>
       </p:sp>
@@ -3350,7 +3357,7 @@
         <p:spPr>
           <a:xfrm>
             <a:off x="9386779" y="3652347"/>
-            <a:ext cx="974852" cy="282858"/>
+            <a:ext cx="974852" cy="369332"/>
           </a:xfrm>
           <a:prstGeom prst="rect">
             <a:avLst/>
@@ -3374,45 +3381,7 @@
                 <a:ea typeface="Menlo" charset="0"/>
                 <a:cs typeface="Menlo" charset="0"/>
               </a:rPr>
-              <a:t>International Student Community</a:t>
-            </a:r>
-          </a:p>
-        </p:txBody>
-      </p:sp>
-      <p:sp>
-        <p:nvSpPr>
-          <p:cNvPr id="14" name="TextBox 13"/>
-          <p:cNvSpPr txBox="1"/>
-          <p:nvPr/>
-        </p:nvSpPr>
-        <p:spPr>
-          <a:xfrm>
-            <a:off x="9901678" y="4055267"/>
-            <a:ext cx="974852" cy="184666"/>
-          </a:xfrm>
-          <a:prstGeom prst="rect">
-            <a:avLst/>
-          </a:prstGeom>
-          <a:solidFill>
-            <a:schemeClr val="accent4">
-              <a:lumMod val="60000"/>
-              <a:lumOff val="40000"/>
-            </a:schemeClr>
-          </a:solidFill>
-        </p:spPr>
-        <p:txBody>
-          <a:bodyPr wrap="square" rtlCol="0">
-            <a:spAutoFit/>
-          </a:bodyPr>
-          <a:lstStyle/>
-          <a:p>
-            <a:r>
-              <a:rPr lang="en-US" sz="600" smtClean="0">
-                <a:latin typeface="Menlo" charset="0"/>
-                <a:ea typeface="Menlo" charset="0"/>
-                <a:cs typeface="Menlo" charset="0"/>
-              </a:rPr>
-              <a:t>J</a:t>
+              <a:t>Housing Reviews and Community suggestions</a:t>
             </a:r>
             <a:endParaRPr lang="en-US" sz="600" dirty="0" smtClean="0">
               <a:latin typeface="Menlo" charset="0"/>
@@ -3424,14 +3393,14 @@
       </p:sp>
       <p:sp>
         <p:nvSpPr>
-          <p:cNvPr id="15" name="TextBox 14"/>
+          <p:cNvPr id="14" name="TextBox 13"/>
           <p:cNvSpPr txBox="1"/>
           <p:nvPr/>
         </p:nvSpPr>
         <p:spPr>
           <a:xfrm>
-            <a:off x="10421106" y="3552806"/>
-            <a:ext cx="974852" cy="276999"/>
+            <a:off x="9901678" y="4085177"/>
+            <a:ext cx="974852" cy="184666"/>
           </a:xfrm>
           <a:prstGeom prst="rect">
             <a:avLst/>
@@ -3455,27 +3424,35 @@
                 <a:ea typeface="Menlo" charset="0"/>
                 <a:cs typeface="Menlo" charset="0"/>
               </a:rPr>
-              <a:t>Banking and Communications</a:t>
-            </a:r>
-          </a:p>
-        </p:txBody>
-      </p:sp>
-      <p:sp>
-        <p:nvSpPr>
-          <p:cNvPr id="16" name="TextBox 15"/>
+              <a:t>%empty</a:t>
+            </a:r>
+            <a:endParaRPr lang="en-US" sz="600" dirty="0" smtClean="0">
+              <a:latin typeface="Menlo" charset="0"/>
+              <a:ea typeface="Menlo" charset="0"/>
+              <a:cs typeface="Menlo" charset="0"/>
+            </a:endParaRPr>
+          </a:p>
+        </p:txBody>
+      </p:sp>
+      <p:sp>
+        <p:nvSpPr>
+          <p:cNvPr id="15" name="TextBox 14"/>
           <p:cNvSpPr txBox="1"/>
           <p:nvPr/>
         </p:nvSpPr>
         <p:spPr>
           <a:xfrm>
-            <a:off x="6912697" y="3310526"/>
-            <a:ext cx="956669" cy="276999"/>
-          </a:xfrm>
-          <a:prstGeom prst="rect">
-            <a:avLst/>
-          </a:prstGeom>
-          <a:solidFill>
-            <a:srgbClr val="FF0000"/>
+            <a:off x="10421106" y="3552806"/>
+            <a:ext cx="974852" cy="184666"/>
+          </a:xfrm>
+          <a:prstGeom prst="rect">
+            <a:avLst/>
+          </a:prstGeom>
+          <a:solidFill>
+            <a:schemeClr val="accent4">
+              <a:lumMod val="60000"/>
+              <a:lumOff val="40000"/>
+            </a:schemeClr>
           </a:solidFill>
         </p:spPr>
         <p:txBody>
@@ -3490,8 +3467,53 @@
                 <a:ea typeface="Menlo" charset="0"/>
                 <a:cs typeface="Menlo" charset="0"/>
               </a:rPr>
-              <a:t>No/Not aware of usable resources</a:t>
-            </a:r>
+              <a:t>%empty</a:t>
+            </a:r>
+            <a:endParaRPr lang="en-US" sz="600" dirty="0" smtClean="0">
+              <a:latin typeface="Menlo" charset="0"/>
+              <a:ea typeface="Menlo" charset="0"/>
+              <a:cs typeface="Menlo" charset="0"/>
+            </a:endParaRPr>
+          </a:p>
+        </p:txBody>
+      </p:sp>
+      <p:sp>
+        <p:nvSpPr>
+          <p:cNvPr id="16" name="TextBox 15"/>
+          <p:cNvSpPr txBox="1"/>
+          <p:nvPr/>
+        </p:nvSpPr>
+        <p:spPr>
+          <a:xfrm>
+            <a:off x="6912697" y="3310526"/>
+            <a:ext cx="956669" cy="369332"/>
+          </a:xfrm>
+          <a:prstGeom prst="rect">
+            <a:avLst/>
+          </a:prstGeom>
+          <a:solidFill>
+            <a:srgbClr val="FF0000"/>
+          </a:solidFill>
+        </p:spPr>
+        <p:txBody>
+          <a:bodyPr wrap="square" rtlCol="0">
+            <a:spAutoFit/>
+          </a:bodyPr>
+          <a:lstStyle/>
+          <a:p>
+            <a:r>
+              <a:rPr lang="en-US" sz="600" dirty="0" smtClean="0">
+                <a:latin typeface="Menlo" charset="0"/>
+                <a:ea typeface="Menlo" charset="0"/>
+                <a:cs typeface="Menlo" charset="0"/>
+              </a:rPr>
+              <a:t>Not familiar with the neighborhood</a:t>
+            </a:r>
+            <a:endParaRPr lang="en-US" sz="600" dirty="0" smtClean="0">
+              <a:latin typeface="Menlo" charset="0"/>
+              <a:ea typeface="Menlo" charset="0"/>
+              <a:cs typeface="Menlo" charset="0"/>
+            </a:endParaRPr>
           </a:p>
         </p:txBody>
       </p:sp>
@@ -3503,7 +3525,7 @@
         </p:nvSpPr>
         <p:spPr>
           <a:xfrm>
-            <a:off x="8017643" y="4467245"/>
+            <a:off x="8795141" y="4498746"/>
             <a:ext cx="787859" cy="276999"/>
           </a:xfrm>
           <a:prstGeom prst="rect">
@@ -3538,8 +3560,8 @@
         </p:nvSpPr>
         <p:spPr>
           <a:xfrm>
-            <a:off x="8043834" y="3465510"/>
-            <a:ext cx="629976" cy="186837"/>
+            <a:off x="8013667" y="3576101"/>
+            <a:ext cx="781473" cy="276999"/>
           </a:xfrm>
           <a:prstGeom prst="rect">
             <a:avLst/>
@@ -3560,8 +3582,13 @@
                 <a:ea typeface="Menlo" charset="0"/>
                 <a:cs typeface="Menlo" charset="0"/>
               </a:rPr>
-              <a:t>Isolation</a:t>
-            </a:r>
+              <a:t>Dangerous neighborhood</a:t>
+            </a:r>
+            <a:endParaRPr lang="en-US" sz="600" dirty="0" smtClean="0">
+              <a:latin typeface="Menlo" charset="0"/>
+              <a:ea typeface="Menlo" charset="0"/>
+              <a:cs typeface="Menlo" charset="0"/>
+            </a:endParaRPr>
           </a:p>
         </p:txBody>
       </p:sp>
@@ -3573,7 +3600,7 @@
         </p:nvSpPr>
         <p:spPr>
           <a:xfrm>
-            <a:off x="7084849" y="3726398"/>
+            <a:off x="6948002" y="3768976"/>
             <a:ext cx="886058" cy="184666"/>
           </a:xfrm>
           <a:prstGeom prst="rect">
@@ -3609,7 +3636,7 @@
         <p:spPr>
           <a:xfrm>
             <a:off x="7138448" y="4109989"/>
-            <a:ext cx="609441" cy="276999"/>
+            <a:ext cx="609441" cy="184666"/>
           </a:xfrm>
           <a:prstGeom prst="rect">
             <a:avLst/>
@@ -3630,8 +3657,13 @@
                 <a:ea typeface="Menlo" charset="0"/>
                 <a:cs typeface="Menlo" charset="0"/>
               </a:rPr>
-              <a:t>Financial Imbalance</a:t>
-            </a:r>
+              <a:t>%empty</a:t>
+            </a:r>
+            <a:endParaRPr lang="en-US" sz="600" dirty="0" smtClean="0">
+              <a:latin typeface="Menlo" charset="0"/>
+              <a:ea typeface="Menlo" charset="0"/>
+              <a:cs typeface="Menlo" charset="0"/>
+            </a:endParaRPr>
           </a:p>
         </p:txBody>
       </p:sp>
@@ -3643,8 +3675,8 @@
         </p:nvSpPr>
         <p:spPr>
           <a:xfrm>
-            <a:off x="8171212" y="3900511"/>
-            <a:ext cx="927017" cy="369332"/>
+            <a:off x="8370673" y="3901305"/>
+            <a:ext cx="927017" cy="461665"/>
           </a:xfrm>
           <a:prstGeom prst="rect">
             <a:avLst/>
@@ -3665,50 +3697,66 @@
                 <a:ea typeface="Menlo" charset="0"/>
                 <a:cs typeface="Menlo" charset="0"/>
               </a:rPr>
-              <a:t>Resources sought by themselves not trustworthy</a:t>
-            </a:r>
-          </a:p>
-        </p:txBody>
-      </p:sp>
-      <p:sp>
-        <p:nvSpPr>
-          <p:cNvPr id="22" name="TextBox 21"/>
-          <p:cNvSpPr txBox="1"/>
-          <p:nvPr/>
-        </p:nvSpPr>
-        <p:spPr>
-          <a:xfrm>
-            <a:off x="7621714" y="4832554"/>
-            <a:ext cx="783909" cy="369332"/>
-          </a:xfrm>
-          <a:prstGeom prst="rect">
-            <a:avLst/>
-          </a:prstGeom>
-          <a:solidFill>
-            <a:srgbClr val="FF0000"/>
-          </a:solidFill>
-        </p:spPr>
-        <p:txBody>
-          <a:bodyPr wrap="square" rtlCol="0">
-            <a:spAutoFit/>
-          </a:bodyPr>
-          <a:lstStyle/>
-          <a:p>
+              <a:t>Housing r</a:t>
+            </a:r>
             <a:r>
               <a:rPr lang="en-US" sz="600" dirty="0" smtClean="0">
                 <a:latin typeface="Menlo" charset="0"/>
                 <a:ea typeface="Menlo" charset="0"/>
                 <a:cs typeface="Menlo" charset="0"/>
               </a:rPr>
-              <a:t>Shocked by </a:t>
-            </a:r>
-            <a:r>
-              <a:rPr lang="en-US" sz="600" smtClean="0">
+              <a:t>esources </a:t>
+            </a:r>
+            <a:r>
+              <a:rPr lang="en-US" sz="600" dirty="0" smtClean="0">
                 <a:latin typeface="Menlo" charset="0"/>
                 <a:ea typeface="Menlo" charset="0"/>
                 <a:cs typeface="Menlo" charset="0"/>
               </a:rPr>
-              <a:t>cultural environment</a:t>
+              <a:t>sought by themselves not trustworthy</a:t>
+            </a:r>
+          </a:p>
+        </p:txBody>
+      </p:sp>
+      <p:sp>
+        <p:nvSpPr>
+          <p:cNvPr id="22" name="TextBox 21"/>
+          <p:cNvSpPr txBox="1"/>
+          <p:nvPr/>
+        </p:nvSpPr>
+        <p:spPr>
+          <a:xfrm>
+            <a:off x="7779257" y="4464248"/>
+            <a:ext cx="783909" cy="369332"/>
+          </a:xfrm>
+          <a:prstGeom prst="rect">
+            <a:avLst/>
+          </a:prstGeom>
+          <a:solidFill>
+            <a:srgbClr val="FF0000"/>
+          </a:solidFill>
+        </p:spPr>
+        <p:txBody>
+          <a:bodyPr wrap="square" rtlCol="0">
+            <a:spAutoFit/>
+          </a:bodyPr>
+          <a:lstStyle/>
+          <a:p>
+            <a:r>
+              <a:rPr lang="en-US" sz="600" dirty="0" smtClean="0">
+                <a:latin typeface="Menlo" charset="0"/>
+                <a:ea typeface="Menlo" charset="0"/>
+                <a:cs typeface="Menlo" charset="0"/>
+              </a:rPr>
+              <a:t>Shocked by cultural </a:t>
+            </a:r>
+            <a:r>
+              <a:rPr lang="en-US" sz="600" dirty="0" smtClean="0">
+                <a:latin typeface="Menlo" charset="0"/>
+                <a:ea typeface="Menlo" charset="0"/>
+                <a:cs typeface="Menlo" charset="0"/>
+              </a:rPr>
+              <a:t>environment?</a:t>
             </a:r>
             <a:endParaRPr lang="en-US" sz="600" dirty="0" smtClean="0">
               <a:latin typeface="Menlo" charset="0"/>
@@ -3762,7 +3810,7 @@
         <p:spPr>
           <a:xfrm>
             <a:off x="9018958" y="1937356"/>
-            <a:ext cx="698385" cy="461665"/>
+            <a:ext cx="698385" cy="369332"/>
           </a:xfrm>
           <a:prstGeom prst="rect">
             <a:avLst/>
@@ -3783,8 +3831,13 @@
                 <a:ea typeface="Menlo" charset="0"/>
                 <a:cs typeface="Menlo" charset="0"/>
               </a:rPr>
-              <a:t>Self &amp; Society Mutual Acceptance</a:t>
-            </a:r>
+              <a:t>Quick settling down</a:t>
+            </a:r>
+            <a:endParaRPr lang="en-US" sz="600" dirty="0" smtClean="0">
+              <a:latin typeface="Menlo" charset="0"/>
+              <a:ea typeface="Menlo" charset="0"/>
+              <a:cs typeface="Menlo" charset="0"/>
+            </a:endParaRPr>
           </a:p>
         </p:txBody>
       </p:sp>
@@ -3797,7 +3850,7 @@
         <p:spPr>
           <a:xfrm>
             <a:off x="8096756" y="1508944"/>
-            <a:ext cx="698385" cy="184666"/>
+            <a:ext cx="698385" cy="461665"/>
           </a:xfrm>
           <a:prstGeom prst="rect">
             <a:avLst/>
@@ -3818,8 +3871,13 @@
                 <a:ea typeface="Menlo" charset="0"/>
                 <a:cs typeface="Menlo" charset="0"/>
               </a:rPr>
-              <a:t>Convenient </a:t>
-            </a:r>
+              <a:t>Easy searching and comparing </a:t>
+            </a:r>
+            <a:endParaRPr lang="en-US" sz="600" dirty="0" smtClean="0">
+              <a:latin typeface="Menlo" charset="0"/>
+              <a:ea typeface="Menlo" charset="0"/>
+              <a:cs typeface="Menlo" charset="0"/>
+            </a:endParaRPr>
           </a:p>
         </p:txBody>
       </p:sp>
@@ -3831,8 +3889,48 @@
         </p:nvSpPr>
         <p:spPr>
           <a:xfrm>
-            <a:off x="7272522" y="1983522"/>
-            <a:ext cx="698385" cy="369332"/>
+            <a:off x="7269185" y="1991317"/>
+            <a:ext cx="698385" cy="276999"/>
+          </a:xfrm>
+          <a:prstGeom prst="rect">
+            <a:avLst/>
+          </a:prstGeom>
+          <a:solidFill>
+            <a:schemeClr val="accent6"/>
+          </a:solidFill>
+        </p:spPr>
+        <p:txBody>
+          <a:bodyPr wrap="square" rtlCol="0">
+            <a:spAutoFit/>
+          </a:bodyPr>
+          <a:lstStyle/>
+          <a:p>
+            <a:r>
+              <a:rPr lang="en-US" sz="600" smtClean="0">
+                <a:latin typeface="Menlo" charset="0"/>
+                <a:ea typeface="Menlo" charset="0"/>
+                <a:cs typeface="Menlo" charset="0"/>
+              </a:rPr>
+              <a:t>Suitable roommates</a:t>
+            </a:r>
+            <a:endParaRPr lang="en-US" sz="600" dirty="0" smtClean="0">
+              <a:latin typeface="Menlo" charset="0"/>
+              <a:ea typeface="Menlo" charset="0"/>
+              <a:cs typeface="Menlo" charset="0"/>
+            </a:endParaRPr>
+          </a:p>
+        </p:txBody>
+      </p:sp>
+      <p:sp>
+        <p:nvSpPr>
+          <p:cNvPr id="27" name="TextBox 26"/>
+          <p:cNvSpPr txBox="1"/>
+          <p:nvPr/>
+        </p:nvSpPr>
+        <p:spPr>
+          <a:xfrm>
+            <a:off x="7443168" y="2563951"/>
+            <a:ext cx="698385" cy="553998"/>
           </a:xfrm>
           <a:prstGeom prst="rect">
             <a:avLst/>
@@ -3853,8 +3951,622 @@
                 <a:ea typeface="Menlo" charset="0"/>
                 <a:cs typeface="Menlo" charset="0"/>
               </a:rPr>
-              <a:t>Better Awareness of </a:t>
-            </a:r>
+              <a:t>Easy commute between home and campus</a:t>
+            </a:r>
+            <a:endParaRPr lang="en-US" sz="600" dirty="0" smtClean="0">
+              <a:latin typeface="Menlo" charset="0"/>
+              <a:ea typeface="Menlo" charset="0"/>
+              <a:cs typeface="Menlo" charset="0"/>
+            </a:endParaRPr>
+          </a:p>
+        </p:txBody>
+      </p:sp>
+      <p:sp>
+        <p:nvSpPr>
+          <p:cNvPr id="28" name="TextBox 27"/>
+          <p:cNvSpPr txBox="1"/>
+          <p:nvPr/>
+        </p:nvSpPr>
+        <p:spPr>
+          <a:xfrm>
+            <a:off x="4177172" y="3552806"/>
+            <a:ext cx="956669" cy="276999"/>
+          </a:xfrm>
+          <a:prstGeom prst="rect">
+            <a:avLst/>
+          </a:prstGeom>
+          <a:solidFill>
+            <a:srgbClr val="FF0000"/>
+          </a:solidFill>
+        </p:spPr>
+        <p:txBody>
+          <a:bodyPr wrap="square" rtlCol="0">
+            <a:spAutoFit/>
+          </a:bodyPr>
+          <a:lstStyle/>
+          <a:p>
+            <a:r>
+              <a:rPr lang="en-US" sz="600" smtClean="0">
+                <a:latin typeface="Menlo" charset="0"/>
+                <a:ea typeface="Menlo" charset="0"/>
+                <a:cs typeface="Menlo" charset="0"/>
+              </a:rPr>
+              <a:t>Less Searching Time</a:t>
+            </a:r>
+            <a:endParaRPr lang="en-US" sz="600" dirty="0" smtClean="0">
+              <a:latin typeface="Menlo" charset="0"/>
+              <a:ea typeface="Menlo" charset="0"/>
+              <a:cs typeface="Menlo" charset="0"/>
+            </a:endParaRPr>
+          </a:p>
+        </p:txBody>
+      </p:sp>
+      <p:sp>
+        <p:nvSpPr>
+          <p:cNvPr id="29" name="TextBox 28"/>
+          <p:cNvSpPr txBox="1"/>
+          <p:nvPr/>
+        </p:nvSpPr>
+        <p:spPr>
+          <a:xfrm>
+            <a:off x="1691123" y="2379285"/>
+            <a:ext cx="971640" cy="184666"/>
+          </a:xfrm>
+          <a:prstGeom prst="rect">
+            <a:avLst/>
+          </a:prstGeom>
+          <a:solidFill>
+            <a:schemeClr val="accent4">
+              <a:lumMod val="60000"/>
+              <a:lumOff val="40000"/>
+            </a:schemeClr>
+          </a:solidFill>
+        </p:spPr>
+        <p:txBody>
+          <a:bodyPr wrap="square" rtlCol="0">
+            <a:spAutoFit/>
+          </a:bodyPr>
+          <a:lstStyle/>
+          <a:p>
+            <a:r>
+              <a:rPr lang="en-US" sz="600" dirty="0" smtClean="0">
+                <a:latin typeface="Menlo" charset="0"/>
+                <a:ea typeface="Menlo" charset="0"/>
+                <a:cs typeface="Menlo" charset="0"/>
+              </a:rPr>
+              <a:t>Housing App</a:t>
+            </a:r>
+            <a:endParaRPr lang="en-US" sz="600" dirty="0" smtClean="0">
+              <a:latin typeface="Menlo" charset="0"/>
+              <a:ea typeface="Menlo" charset="0"/>
+              <a:cs typeface="Menlo" charset="0"/>
+            </a:endParaRPr>
+          </a:p>
+        </p:txBody>
+      </p:sp>
+      <p:sp>
+        <p:nvSpPr>
+          <p:cNvPr id="30" name="TextBox 29"/>
+          <p:cNvSpPr txBox="1"/>
+          <p:nvPr/>
+        </p:nvSpPr>
+        <p:spPr>
+          <a:xfrm>
+            <a:off x="4688496" y="1442624"/>
+            <a:ext cx="698385" cy="461665"/>
+          </a:xfrm>
+          <a:prstGeom prst="rect">
+            <a:avLst/>
+          </a:prstGeom>
+          <a:solidFill>
+            <a:schemeClr val="accent6"/>
+          </a:solidFill>
+        </p:spPr>
+        <p:txBody>
+          <a:bodyPr wrap="square" rtlCol="0">
+            <a:spAutoFit/>
+          </a:bodyPr>
+          <a:lstStyle/>
+          <a:p>
+            <a:r>
+              <a:rPr lang="en-US" sz="600" dirty="0" smtClean="0">
+                <a:latin typeface="Menlo" charset="0"/>
+                <a:ea typeface="Menlo" charset="0"/>
+                <a:cs typeface="Menlo" charset="0"/>
+              </a:rPr>
+              <a:t>Tinder-like roommate searching &amp; engine</a:t>
+            </a:r>
+            <a:endParaRPr lang="en-US" sz="600" dirty="0" smtClean="0">
+              <a:latin typeface="Menlo" charset="0"/>
+              <a:ea typeface="Menlo" charset="0"/>
+              <a:cs typeface="Menlo" charset="0"/>
+            </a:endParaRPr>
+          </a:p>
+        </p:txBody>
+      </p:sp>
+      <p:sp>
+        <p:nvSpPr>
+          <p:cNvPr id="31" name="TextBox 30"/>
+          <p:cNvSpPr txBox="1"/>
+          <p:nvPr/>
+        </p:nvSpPr>
+        <p:spPr>
+          <a:xfrm>
+            <a:off x="1856871" y="2831918"/>
+            <a:ext cx="971640" cy="184666"/>
+          </a:xfrm>
+          <a:prstGeom prst="rect">
+            <a:avLst/>
+          </a:prstGeom>
+          <a:solidFill>
+            <a:schemeClr val="accent4">
+              <a:lumMod val="60000"/>
+              <a:lumOff val="40000"/>
+            </a:schemeClr>
+          </a:solidFill>
+        </p:spPr>
+        <p:txBody>
+          <a:bodyPr wrap="square" rtlCol="0">
+            <a:spAutoFit/>
+          </a:bodyPr>
+          <a:lstStyle/>
+          <a:p>
+            <a:r>
+              <a:rPr lang="en-US" sz="600" dirty="0" smtClean="0">
+                <a:latin typeface="Menlo" charset="0"/>
+                <a:ea typeface="Menlo" charset="0"/>
+                <a:cs typeface="Menlo" charset="0"/>
+              </a:rPr>
+              <a:t>Roommate Pairing</a:t>
+            </a:r>
+            <a:endParaRPr lang="en-US" sz="600" dirty="0" smtClean="0">
+              <a:latin typeface="Menlo" charset="0"/>
+              <a:ea typeface="Menlo" charset="0"/>
+              <a:cs typeface="Menlo" charset="0"/>
+            </a:endParaRPr>
+          </a:p>
+        </p:txBody>
+      </p:sp>
+      <p:sp>
+        <p:nvSpPr>
+          <p:cNvPr id="32" name="TextBox 31"/>
+          <p:cNvSpPr txBox="1"/>
+          <p:nvPr/>
+        </p:nvSpPr>
+        <p:spPr>
+          <a:xfrm>
+            <a:off x="2103106" y="3116607"/>
+            <a:ext cx="971640" cy="646331"/>
+          </a:xfrm>
+          <a:prstGeom prst="rect">
+            <a:avLst/>
+          </a:prstGeom>
+          <a:solidFill>
+            <a:schemeClr val="accent4">
+              <a:lumMod val="60000"/>
+              <a:lumOff val="40000"/>
+            </a:schemeClr>
+          </a:solidFill>
+        </p:spPr>
+        <p:txBody>
+          <a:bodyPr wrap="square" rtlCol="0">
+            <a:spAutoFit/>
+          </a:bodyPr>
+          <a:lstStyle/>
+          <a:p>
+            <a:r>
+              <a:rPr lang="en-US" sz="600" dirty="0" smtClean="0">
+                <a:latin typeface="Menlo" charset="0"/>
+                <a:ea typeface="Menlo" charset="0"/>
+                <a:cs typeface="Menlo" charset="0"/>
+              </a:rPr>
+              <a:t>Housing Search and (Long-term Airbnb functions e.g. Rating, descriptions, reviews, blah)</a:t>
+            </a:r>
+            <a:endParaRPr lang="en-US" sz="600" dirty="0" smtClean="0">
+              <a:latin typeface="Menlo" charset="0"/>
+              <a:ea typeface="Menlo" charset="0"/>
+              <a:cs typeface="Menlo" charset="0"/>
+            </a:endParaRPr>
+          </a:p>
+        </p:txBody>
+      </p:sp>
+      <p:sp>
+        <p:nvSpPr>
+          <p:cNvPr id="33" name="TextBox 32"/>
+          <p:cNvSpPr txBox="1"/>
+          <p:nvPr/>
+        </p:nvSpPr>
+        <p:spPr>
+          <a:xfrm>
+            <a:off x="4655506" y="2222150"/>
+            <a:ext cx="698385" cy="646331"/>
+          </a:xfrm>
+          <a:prstGeom prst="rect">
+            <a:avLst/>
+          </a:prstGeom>
+          <a:solidFill>
+            <a:schemeClr val="accent6"/>
+          </a:solidFill>
+        </p:spPr>
+        <p:txBody>
+          <a:bodyPr wrap="square" rtlCol="0">
+            <a:spAutoFit/>
+          </a:bodyPr>
+          <a:lstStyle/>
+          <a:p>
+            <a:r>
+              <a:rPr lang="en-US" sz="600" dirty="0" smtClean="0">
+                <a:latin typeface="Menlo" charset="0"/>
+                <a:ea typeface="Menlo" charset="0"/>
+                <a:cs typeface="Menlo" charset="0"/>
+              </a:rPr>
+              <a:t>Better knowledge of potential roommate preference</a:t>
+            </a:r>
+            <a:endParaRPr lang="en-US" sz="600" dirty="0" smtClean="0">
+              <a:latin typeface="Menlo" charset="0"/>
+              <a:ea typeface="Menlo" charset="0"/>
+              <a:cs typeface="Menlo" charset="0"/>
+            </a:endParaRPr>
+          </a:p>
+        </p:txBody>
+      </p:sp>
+      <p:sp>
+        <p:nvSpPr>
+          <p:cNvPr id="34" name="TextBox 33"/>
+          <p:cNvSpPr txBox="1"/>
+          <p:nvPr/>
+        </p:nvSpPr>
+        <p:spPr>
+          <a:xfrm>
+            <a:off x="3287915" y="1421027"/>
+            <a:ext cx="698385" cy="369332"/>
+          </a:xfrm>
+          <a:prstGeom prst="rect">
+            <a:avLst/>
+          </a:prstGeom>
+          <a:solidFill>
+            <a:schemeClr val="accent6"/>
+          </a:solidFill>
+        </p:spPr>
+        <p:txBody>
+          <a:bodyPr wrap="square" rtlCol="0">
+            <a:spAutoFit/>
+          </a:bodyPr>
+          <a:lstStyle/>
+          <a:p>
+            <a:r>
+              <a:rPr lang="en-US" sz="600" dirty="0" smtClean="0">
+                <a:latin typeface="Menlo" charset="0"/>
+                <a:ea typeface="Menlo" charset="0"/>
+                <a:cs typeface="Menlo" charset="0"/>
+              </a:rPr>
+              <a:t>Better housing location</a:t>
+            </a:r>
+            <a:endParaRPr lang="en-US" sz="600" dirty="0" smtClean="0">
+              <a:latin typeface="Menlo" charset="0"/>
+              <a:ea typeface="Menlo" charset="0"/>
+              <a:cs typeface="Menlo" charset="0"/>
+            </a:endParaRPr>
+          </a:p>
+        </p:txBody>
+      </p:sp>
+      <p:sp>
+        <p:nvSpPr>
+          <p:cNvPr id="35" name="TextBox 34"/>
+          <p:cNvSpPr txBox="1"/>
+          <p:nvPr/>
+        </p:nvSpPr>
+        <p:spPr>
+          <a:xfrm>
+            <a:off x="3431427" y="2267309"/>
+            <a:ext cx="698385" cy="646331"/>
+          </a:xfrm>
+          <a:prstGeom prst="rect">
+            <a:avLst/>
+          </a:prstGeom>
+          <a:solidFill>
+            <a:schemeClr val="accent6"/>
+          </a:solidFill>
+        </p:spPr>
+        <p:txBody>
+          <a:bodyPr wrap="square" rtlCol="0">
+            <a:spAutoFit/>
+          </a:bodyPr>
+          <a:lstStyle/>
+          <a:p>
+            <a:r>
+              <a:rPr lang="en-US" sz="600" dirty="0" smtClean="0">
+                <a:latin typeface="Menlo" charset="0"/>
+                <a:ea typeface="Menlo" charset="0"/>
+                <a:cs typeface="Menlo" charset="0"/>
+              </a:rPr>
+              <a:t>Newsfeed of housing resources based on personal settings</a:t>
+            </a:r>
+            <a:endParaRPr lang="en-US" sz="600" dirty="0" smtClean="0">
+              <a:latin typeface="Menlo" charset="0"/>
+              <a:ea typeface="Menlo" charset="0"/>
+              <a:cs typeface="Menlo" charset="0"/>
+            </a:endParaRPr>
+          </a:p>
+        </p:txBody>
+      </p:sp>
+      <p:sp>
+        <p:nvSpPr>
+          <p:cNvPr id="36" name="TextBox 35"/>
+          <p:cNvSpPr txBox="1"/>
+          <p:nvPr/>
+        </p:nvSpPr>
+        <p:spPr>
+          <a:xfrm>
+            <a:off x="4713491" y="4237131"/>
+            <a:ext cx="956669" cy="184666"/>
+          </a:xfrm>
+          <a:prstGeom prst="rect">
+            <a:avLst/>
+          </a:prstGeom>
+          <a:solidFill>
+            <a:srgbClr val="FF0000"/>
+          </a:solidFill>
+        </p:spPr>
+        <p:txBody>
+          <a:bodyPr wrap="square" rtlCol="0">
+            <a:spAutoFit/>
+          </a:bodyPr>
+          <a:lstStyle/>
+          <a:p>
+            <a:r>
+              <a:rPr lang="en-US" sz="600" smtClean="0">
+                <a:latin typeface="Menlo" charset="0"/>
+                <a:ea typeface="Menlo" charset="0"/>
+                <a:cs typeface="Menlo" charset="0"/>
+              </a:rPr>
+              <a:t>Optimized budget</a:t>
+            </a:r>
+            <a:endParaRPr lang="en-US" sz="600" dirty="0" smtClean="0">
+              <a:latin typeface="Menlo" charset="0"/>
+              <a:ea typeface="Menlo" charset="0"/>
+              <a:cs typeface="Menlo" charset="0"/>
+            </a:endParaRPr>
+          </a:p>
+        </p:txBody>
+      </p:sp>
+      <p:sp>
+        <p:nvSpPr>
+          <p:cNvPr id="37" name="TextBox 36"/>
+          <p:cNvSpPr txBox="1"/>
+          <p:nvPr/>
+        </p:nvSpPr>
+        <p:spPr>
+          <a:xfrm>
+            <a:off x="4643562" y="4791470"/>
+            <a:ext cx="956669" cy="369332"/>
+          </a:xfrm>
+          <a:prstGeom prst="rect">
+            <a:avLst/>
+          </a:prstGeom>
+          <a:solidFill>
+            <a:srgbClr val="FF0000"/>
+          </a:solidFill>
+        </p:spPr>
+        <p:txBody>
+          <a:bodyPr wrap="square" rtlCol="0">
+            <a:spAutoFit/>
+          </a:bodyPr>
+          <a:lstStyle/>
+          <a:p>
+            <a:r>
+              <a:rPr lang="en-US" sz="600" dirty="0" smtClean="0">
+                <a:latin typeface="Menlo" charset="0"/>
+                <a:ea typeface="Menlo" charset="0"/>
+                <a:cs typeface="Menlo" charset="0"/>
+              </a:rPr>
+              <a:t>More time for adaptation to neighborhood</a:t>
+            </a:r>
+            <a:endParaRPr lang="en-US" sz="600" dirty="0" smtClean="0">
+              <a:latin typeface="Menlo" charset="0"/>
+              <a:ea typeface="Menlo" charset="0"/>
+              <a:cs typeface="Menlo" charset="0"/>
+            </a:endParaRPr>
+          </a:p>
+        </p:txBody>
+      </p:sp>
+      <p:sp>
+        <p:nvSpPr>
+          <p:cNvPr id="38" name="TextBox 37"/>
+          <p:cNvSpPr txBox="1"/>
+          <p:nvPr/>
+        </p:nvSpPr>
+        <p:spPr>
+          <a:xfrm>
+            <a:off x="3029631" y="4081219"/>
+            <a:ext cx="956669" cy="184666"/>
+          </a:xfrm>
+          <a:prstGeom prst="rect">
+            <a:avLst/>
+          </a:prstGeom>
+          <a:solidFill>
+            <a:srgbClr val="FF0000"/>
+          </a:solidFill>
+        </p:spPr>
+        <p:txBody>
+          <a:bodyPr wrap="square" rtlCol="0">
+            <a:spAutoFit/>
+          </a:bodyPr>
+          <a:lstStyle/>
+          <a:p>
+            <a:r>
+              <a:rPr lang="en-US" sz="600" dirty="0" smtClean="0">
+                <a:latin typeface="Menlo" charset="0"/>
+                <a:ea typeface="Menlo" charset="0"/>
+                <a:cs typeface="Menlo" charset="0"/>
+              </a:rPr>
+              <a:t>Improved Trust</a:t>
+            </a:r>
+            <a:endParaRPr lang="en-US" sz="600" dirty="0" smtClean="0">
+              <a:latin typeface="Menlo" charset="0"/>
+              <a:ea typeface="Menlo" charset="0"/>
+              <a:cs typeface="Menlo" charset="0"/>
+            </a:endParaRPr>
+          </a:p>
+        </p:txBody>
+      </p:sp>
+      <p:sp>
+        <p:nvSpPr>
+          <p:cNvPr id="39" name="TextBox 38"/>
+          <p:cNvSpPr txBox="1"/>
+          <p:nvPr/>
+        </p:nvSpPr>
+        <p:spPr>
+          <a:xfrm>
+            <a:off x="2551296" y="4672962"/>
+            <a:ext cx="956669" cy="276999"/>
+          </a:xfrm>
+          <a:prstGeom prst="rect">
+            <a:avLst/>
+          </a:prstGeom>
+          <a:solidFill>
+            <a:srgbClr val="FF0000"/>
+          </a:solidFill>
+        </p:spPr>
+        <p:txBody>
+          <a:bodyPr wrap="square" rtlCol="0">
+            <a:spAutoFit/>
+          </a:bodyPr>
+          <a:lstStyle/>
+          <a:p>
+            <a:r>
+              <a:rPr lang="en-US" sz="600" dirty="0" smtClean="0">
+                <a:latin typeface="Menlo" charset="0"/>
+                <a:ea typeface="Menlo" charset="0"/>
+                <a:cs typeface="Menlo" charset="0"/>
+              </a:rPr>
+              <a:t>Improved Trust/Face</a:t>
+            </a:r>
+            <a:endParaRPr lang="en-US" sz="600" dirty="0" smtClean="0">
+              <a:latin typeface="Menlo" charset="0"/>
+              <a:ea typeface="Menlo" charset="0"/>
+              <a:cs typeface="Menlo" charset="0"/>
+            </a:endParaRPr>
+          </a:p>
+        </p:txBody>
+      </p:sp>
+      <p:sp>
+        <p:nvSpPr>
+          <p:cNvPr id="40" name="TextBox 39"/>
+          <p:cNvSpPr txBox="1"/>
+          <p:nvPr/>
+        </p:nvSpPr>
+        <p:spPr>
+          <a:xfrm>
+            <a:off x="3622084" y="4341240"/>
+            <a:ext cx="956669" cy="276999"/>
+          </a:xfrm>
+          <a:prstGeom prst="rect">
+            <a:avLst/>
+          </a:prstGeom>
+          <a:solidFill>
+            <a:srgbClr val="FF0000"/>
+          </a:solidFill>
+        </p:spPr>
+        <p:txBody>
+          <a:bodyPr wrap="square" rtlCol="0">
+            <a:spAutoFit/>
+          </a:bodyPr>
+          <a:lstStyle/>
+          <a:p>
+            <a:r>
+              <a:rPr lang="en-US" sz="600" dirty="0" smtClean="0">
+                <a:latin typeface="Menlo" charset="0"/>
+                <a:ea typeface="Menlo" charset="0"/>
+                <a:cs typeface="Menlo" charset="0"/>
+              </a:rPr>
+              <a:t>Avoid bad housing choices</a:t>
+            </a:r>
+            <a:endParaRPr lang="en-US" sz="600" dirty="0" smtClean="0">
+              <a:latin typeface="Menlo" charset="0"/>
+              <a:ea typeface="Menlo" charset="0"/>
+              <a:cs typeface="Menlo" charset="0"/>
+            </a:endParaRPr>
+          </a:p>
+        </p:txBody>
+      </p:sp>
+      <p:sp>
+        <p:nvSpPr>
+          <p:cNvPr id="41" name="TextBox 40"/>
+          <p:cNvSpPr txBox="1"/>
+          <p:nvPr/>
+        </p:nvSpPr>
+        <p:spPr>
+          <a:xfrm>
+            <a:off x="3594725" y="4811461"/>
+            <a:ext cx="956669" cy="461665"/>
+          </a:xfrm>
+          <a:prstGeom prst="rect">
+            <a:avLst/>
+          </a:prstGeom>
+          <a:solidFill>
+            <a:srgbClr val="FF0000"/>
+          </a:solidFill>
+        </p:spPr>
+        <p:txBody>
+          <a:bodyPr wrap="square" rtlCol="0">
+            <a:spAutoFit/>
+          </a:bodyPr>
+          <a:lstStyle/>
+          <a:p>
+            <a:r>
+              <a:rPr lang="en-US" sz="600" dirty="0" smtClean="0">
+                <a:latin typeface="Menlo" charset="0"/>
+                <a:ea typeface="Menlo" charset="0"/>
+                <a:cs typeface="Menlo" charset="0"/>
+              </a:rPr>
+              <a:t>Faster housing-related knowledge learning curve</a:t>
+            </a:r>
+            <a:endParaRPr lang="en-US" sz="600" dirty="0" smtClean="0">
+              <a:latin typeface="Menlo" charset="0"/>
+              <a:ea typeface="Menlo" charset="0"/>
+              <a:cs typeface="Menlo" charset="0"/>
+            </a:endParaRPr>
+          </a:p>
+        </p:txBody>
+      </p:sp>
+      <p:sp>
+        <p:nvSpPr>
+          <p:cNvPr id="42" name="TextBox 41"/>
+          <p:cNvSpPr txBox="1"/>
+          <p:nvPr/>
+        </p:nvSpPr>
+        <p:spPr>
+          <a:xfrm>
+            <a:off x="2463588" y="5068469"/>
+            <a:ext cx="956669" cy="184666"/>
+          </a:xfrm>
+          <a:prstGeom prst="rect">
+            <a:avLst/>
+          </a:prstGeom>
+          <a:solidFill>
+            <a:srgbClr val="FF0000"/>
+          </a:solidFill>
+        </p:spPr>
+        <p:txBody>
+          <a:bodyPr wrap="square" rtlCol="0">
+            <a:spAutoFit/>
+          </a:bodyPr>
+          <a:lstStyle/>
+          <a:p>
+            <a:r>
+              <a:rPr lang="en-US" sz="600" smtClean="0">
+                <a:latin typeface="Menlo" charset="0"/>
+                <a:ea typeface="Menlo" charset="0"/>
+                <a:cs typeface="Menlo" charset="0"/>
+              </a:rPr>
+              <a:t>Safety</a:t>
+            </a:r>
+            <a:endParaRPr lang="en-US" sz="600" dirty="0" smtClean="0">
+              <a:latin typeface="Menlo" charset="0"/>
+              <a:ea typeface="Menlo" charset="0"/>
+              <a:cs typeface="Menlo" charset="0"/>
+            </a:endParaRPr>
           </a:p>
         </p:txBody>
       </p:sp>
@@ -4730,6 +5442,806 @@
               <a:rPr lang="en-US" sz="2400" b="1" i="1" dirty="0"/>
               <a:t>The Business Model Canvas</a:t>
             </a:r>
+          </a:p>
+        </p:txBody>
+      </p:sp>
+      <p:sp>
+        <p:nvSpPr>
+          <p:cNvPr id="2" name="TextBox 1"/>
+          <p:cNvSpPr txBox="1"/>
+          <p:nvPr/>
+        </p:nvSpPr>
+        <p:spPr>
+          <a:xfrm>
+            <a:off x="9152506" y="1309931"/>
+            <a:ext cx="1331196" cy="461665"/>
+          </a:xfrm>
+          <a:prstGeom prst="rect">
+            <a:avLst/>
+          </a:prstGeom>
+          <a:solidFill>
+            <a:srgbClr val="FFFF00"/>
+          </a:solidFill>
+        </p:spPr>
+        <p:txBody>
+          <a:bodyPr wrap="square" rtlCol="0">
+            <a:spAutoFit/>
+          </a:bodyPr>
+          <a:lstStyle/>
+          <a:p>
+            <a:r>
+              <a:rPr lang="en-US" sz="800" dirty="0" smtClean="0">
+                <a:latin typeface="Menlo" charset="0"/>
+                <a:ea typeface="Menlo" charset="0"/>
+                <a:cs typeface="Menlo" charset="0"/>
+              </a:rPr>
+              <a:t>Incoming (International) students</a:t>
+            </a:r>
+            <a:endParaRPr lang="en-US" sz="800" dirty="0">
+              <a:latin typeface="Menlo" charset="0"/>
+              <a:ea typeface="Menlo" charset="0"/>
+              <a:cs typeface="Menlo" charset="0"/>
+            </a:endParaRPr>
+          </a:p>
+        </p:txBody>
+      </p:sp>
+      <p:sp>
+        <p:nvSpPr>
+          <p:cNvPr id="36" name="TextBox 35"/>
+          <p:cNvSpPr txBox="1"/>
+          <p:nvPr/>
+        </p:nvSpPr>
+        <p:spPr>
+          <a:xfrm>
+            <a:off x="9101928" y="2569223"/>
+            <a:ext cx="1331196" cy="461665"/>
+          </a:xfrm>
+          <a:prstGeom prst="rect">
+            <a:avLst/>
+          </a:prstGeom>
+          <a:solidFill>
+            <a:srgbClr val="FFFF00"/>
+          </a:solidFill>
+        </p:spPr>
+        <p:txBody>
+          <a:bodyPr wrap="square" rtlCol="0">
+            <a:spAutoFit/>
+          </a:bodyPr>
+          <a:lstStyle/>
+          <a:p>
+            <a:r>
+              <a:rPr lang="en-US" sz="800" dirty="0" smtClean="0">
+                <a:latin typeface="Menlo" charset="0"/>
+                <a:ea typeface="Menlo" charset="0"/>
+                <a:cs typeface="Menlo" charset="0"/>
+              </a:rPr>
+              <a:t>Veteran? (International) Students</a:t>
+            </a:r>
+            <a:endParaRPr lang="en-US" sz="800" dirty="0">
+              <a:latin typeface="Menlo" charset="0"/>
+              <a:ea typeface="Menlo" charset="0"/>
+              <a:cs typeface="Menlo" charset="0"/>
+            </a:endParaRPr>
+          </a:p>
+        </p:txBody>
+      </p:sp>
+      <p:sp>
+        <p:nvSpPr>
+          <p:cNvPr id="37" name="TextBox 36"/>
+          <p:cNvSpPr txBox="1"/>
+          <p:nvPr/>
+        </p:nvSpPr>
+        <p:spPr>
+          <a:xfrm>
+            <a:off x="9101928" y="4176410"/>
+            <a:ext cx="1331196" cy="338554"/>
+          </a:xfrm>
+          <a:prstGeom prst="rect">
+            <a:avLst/>
+          </a:prstGeom>
+          <a:solidFill>
+            <a:srgbClr val="FFFF00"/>
+          </a:solidFill>
+        </p:spPr>
+        <p:txBody>
+          <a:bodyPr wrap="square" rtlCol="0">
+            <a:spAutoFit/>
+          </a:bodyPr>
+          <a:lstStyle/>
+          <a:p>
+            <a:r>
+              <a:rPr lang="en-US" sz="800" dirty="0" smtClean="0">
+                <a:latin typeface="Menlo" charset="0"/>
+                <a:ea typeface="Menlo" charset="0"/>
+                <a:cs typeface="Menlo" charset="0"/>
+              </a:rPr>
+              <a:t>Landlord / householder</a:t>
+            </a:r>
+            <a:endParaRPr lang="en-US" sz="800" dirty="0">
+              <a:latin typeface="Menlo" charset="0"/>
+              <a:ea typeface="Menlo" charset="0"/>
+              <a:cs typeface="Menlo" charset="0"/>
+            </a:endParaRPr>
+          </a:p>
+        </p:txBody>
+      </p:sp>
+      <p:sp>
+        <p:nvSpPr>
+          <p:cNvPr id="38" name="TextBox 37"/>
+          <p:cNvSpPr txBox="1"/>
+          <p:nvPr/>
+        </p:nvSpPr>
+        <p:spPr>
+          <a:xfrm>
+            <a:off x="7289802" y="3591940"/>
+            <a:ext cx="1331196" cy="215444"/>
+          </a:xfrm>
+          <a:prstGeom prst="rect">
+            <a:avLst/>
+          </a:prstGeom>
+          <a:solidFill>
+            <a:srgbClr val="FFFF00"/>
+          </a:solidFill>
+        </p:spPr>
+        <p:txBody>
+          <a:bodyPr wrap="square" rtlCol="0">
+            <a:spAutoFit/>
+          </a:bodyPr>
+          <a:lstStyle/>
+          <a:p>
+            <a:r>
+              <a:rPr lang="en-US" sz="800" dirty="0" smtClean="0">
+                <a:latin typeface="Menlo" charset="0"/>
+                <a:ea typeface="Menlo" charset="0"/>
+                <a:cs typeface="Menlo" charset="0"/>
+              </a:rPr>
+              <a:t>App Store (Web)</a:t>
+            </a:r>
+            <a:endParaRPr lang="en-US" sz="800" dirty="0">
+              <a:latin typeface="Menlo" charset="0"/>
+              <a:ea typeface="Menlo" charset="0"/>
+              <a:cs typeface="Menlo" charset="0"/>
+            </a:endParaRPr>
+          </a:p>
+        </p:txBody>
+      </p:sp>
+      <p:sp>
+        <p:nvSpPr>
+          <p:cNvPr id="39" name="TextBox 38"/>
+          <p:cNvSpPr txBox="1"/>
+          <p:nvPr/>
+        </p:nvSpPr>
+        <p:spPr>
+          <a:xfrm>
+            <a:off x="7262750" y="1231886"/>
+            <a:ext cx="1331196" cy="338554"/>
+          </a:xfrm>
+          <a:prstGeom prst="rect">
+            <a:avLst/>
+          </a:prstGeom>
+          <a:solidFill>
+            <a:srgbClr val="FFFF00"/>
+          </a:solidFill>
+        </p:spPr>
+        <p:txBody>
+          <a:bodyPr wrap="square" rtlCol="0">
+            <a:spAutoFit/>
+          </a:bodyPr>
+          <a:lstStyle/>
+          <a:p>
+            <a:r>
+              <a:rPr lang="en-US" sz="800" dirty="0" smtClean="0">
+                <a:latin typeface="Menlo" charset="0"/>
+                <a:ea typeface="Menlo" charset="0"/>
+                <a:cs typeface="Menlo" charset="0"/>
+              </a:rPr>
+              <a:t>International Student Community</a:t>
+            </a:r>
+            <a:endParaRPr lang="en-US" sz="800" dirty="0">
+              <a:latin typeface="Menlo" charset="0"/>
+              <a:ea typeface="Menlo" charset="0"/>
+              <a:cs typeface="Menlo" charset="0"/>
+            </a:endParaRPr>
+          </a:p>
+        </p:txBody>
+      </p:sp>
+      <p:sp>
+        <p:nvSpPr>
+          <p:cNvPr id="40" name="TextBox 39"/>
+          <p:cNvSpPr txBox="1"/>
+          <p:nvPr/>
+        </p:nvSpPr>
+        <p:spPr>
+          <a:xfrm>
+            <a:off x="7289802" y="1833491"/>
+            <a:ext cx="1331196" cy="338554"/>
+          </a:xfrm>
+          <a:prstGeom prst="rect">
+            <a:avLst/>
+          </a:prstGeom>
+          <a:solidFill>
+            <a:srgbClr val="FFFF00"/>
+          </a:solidFill>
+        </p:spPr>
+        <p:txBody>
+          <a:bodyPr wrap="square" rtlCol="0">
+            <a:spAutoFit/>
+          </a:bodyPr>
+          <a:lstStyle/>
+          <a:p>
+            <a:r>
+              <a:rPr lang="en-US" sz="800" dirty="0" smtClean="0">
+                <a:latin typeface="Menlo" charset="0"/>
+                <a:ea typeface="Menlo" charset="0"/>
+                <a:cs typeface="Menlo" charset="0"/>
+              </a:rPr>
+              <a:t>Customer Reviews (Co-creation)</a:t>
+            </a:r>
+            <a:endParaRPr lang="en-US" sz="800" dirty="0">
+              <a:latin typeface="Menlo" charset="0"/>
+              <a:ea typeface="Menlo" charset="0"/>
+              <a:cs typeface="Menlo" charset="0"/>
+            </a:endParaRPr>
+          </a:p>
+        </p:txBody>
+      </p:sp>
+      <p:sp>
+        <p:nvSpPr>
+          <p:cNvPr id="41" name="TextBox 40"/>
+          <p:cNvSpPr txBox="1"/>
+          <p:nvPr/>
+        </p:nvSpPr>
+        <p:spPr>
+          <a:xfrm>
+            <a:off x="7245538" y="2413360"/>
+            <a:ext cx="1331196" cy="338554"/>
+          </a:xfrm>
+          <a:prstGeom prst="rect">
+            <a:avLst/>
+          </a:prstGeom>
+          <a:solidFill>
+            <a:srgbClr val="FFFF00"/>
+          </a:solidFill>
+        </p:spPr>
+        <p:txBody>
+          <a:bodyPr wrap="square" rtlCol="0">
+            <a:spAutoFit/>
+          </a:bodyPr>
+          <a:lstStyle/>
+          <a:p>
+            <a:r>
+              <a:rPr lang="en-US" sz="800" dirty="0" smtClean="0">
+                <a:latin typeface="Menlo" charset="0"/>
+                <a:ea typeface="Menlo" charset="0"/>
+                <a:cs typeface="Menlo" charset="0"/>
+              </a:rPr>
+              <a:t>Automated Info (FAQ)</a:t>
+            </a:r>
+            <a:endParaRPr lang="en-US" sz="800" dirty="0">
+              <a:latin typeface="Menlo" charset="0"/>
+              <a:ea typeface="Menlo" charset="0"/>
+              <a:cs typeface="Menlo" charset="0"/>
+            </a:endParaRPr>
+          </a:p>
+        </p:txBody>
+      </p:sp>
+      <p:sp>
+        <p:nvSpPr>
+          <p:cNvPr id="42" name="TextBox 41"/>
+          <p:cNvSpPr txBox="1"/>
+          <p:nvPr/>
+        </p:nvSpPr>
+        <p:spPr>
+          <a:xfrm>
+            <a:off x="5326916" y="1932926"/>
+            <a:ext cx="1331196" cy="215444"/>
+          </a:xfrm>
+          <a:prstGeom prst="rect">
+            <a:avLst/>
+          </a:prstGeom>
+          <a:solidFill>
+            <a:srgbClr val="FFFF00"/>
+          </a:solidFill>
+        </p:spPr>
+        <p:txBody>
+          <a:bodyPr wrap="square" rtlCol="0">
+            <a:spAutoFit/>
+          </a:bodyPr>
+          <a:lstStyle/>
+          <a:p>
+            <a:r>
+              <a:rPr lang="en-US" sz="800" dirty="0" smtClean="0">
+                <a:latin typeface="Menlo" charset="0"/>
+                <a:ea typeface="Menlo" charset="0"/>
+                <a:cs typeface="Menlo" charset="0"/>
+              </a:rPr>
+              <a:t>Search performance</a:t>
+            </a:r>
+            <a:endParaRPr lang="en-US" sz="800" dirty="0">
+              <a:latin typeface="Menlo" charset="0"/>
+              <a:ea typeface="Menlo" charset="0"/>
+              <a:cs typeface="Menlo" charset="0"/>
+            </a:endParaRPr>
+          </a:p>
+        </p:txBody>
+      </p:sp>
+      <p:sp>
+        <p:nvSpPr>
+          <p:cNvPr id="43" name="TextBox 42"/>
+          <p:cNvSpPr txBox="1"/>
+          <p:nvPr/>
+        </p:nvSpPr>
+        <p:spPr>
+          <a:xfrm>
+            <a:off x="5444784" y="2644192"/>
+            <a:ext cx="1331196" cy="215444"/>
+          </a:xfrm>
+          <a:prstGeom prst="rect">
+            <a:avLst/>
+          </a:prstGeom>
+          <a:solidFill>
+            <a:srgbClr val="FFFF00"/>
+          </a:solidFill>
+        </p:spPr>
+        <p:txBody>
+          <a:bodyPr wrap="square" rtlCol="0">
+            <a:spAutoFit/>
+          </a:bodyPr>
+          <a:lstStyle/>
+          <a:p>
+            <a:r>
+              <a:rPr lang="en-US" sz="800" dirty="0" smtClean="0">
+                <a:latin typeface="Menlo" charset="0"/>
+                <a:ea typeface="Menlo" charset="0"/>
+                <a:cs typeface="Menlo" charset="0"/>
+              </a:rPr>
+              <a:t>Find housing</a:t>
+            </a:r>
+            <a:endParaRPr lang="en-US" sz="800" dirty="0">
+              <a:latin typeface="Menlo" charset="0"/>
+              <a:ea typeface="Menlo" charset="0"/>
+              <a:cs typeface="Menlo" charset="0"/>
+            </a:endParaRPr>
+          </a:p>
+        </p:txBody>
+      </p:sp>
+      <p:sp>
+        <p:nvSpPr>
+          <p:cNvPr id="45" name="TextBox 44"/>
+          <p:cNvSpPr txBox="1"/>
+          <p:nvPr/>
+        </p:nvSpPr>
+        <p:spPr>
+          <a:xfrm>
+            <a:off x="3566403" y="1676842"/>
+            <a:ext cx="1331196" cy="461665"/>
+          </a:xfrm>
+          <a:prstGeom prst="rect">
+            <a:avLst/>
+          </a:prstGeom>
+          <a:solidFill>
+            <a:srgbClr val="FFFF00"/>
+          </a:solidFill>
+        </p:spPr>
+        <p:txBody>
+          <a:bodyPr wrap="square" rtlCol="0">
+            <a:spAutoFit/>
+          </a:bodyPr>
+          <a:lstStyle/>
+          <a:p>
+            <a:r>
+              <a:rPr lang="en-US" sz="800" dirty="0" smtClean="0">
+                <a:latin typeface="Menlo" charset="0"/>
+                <a:ea typeface="Menlo" charset="0"/>
+                <a:cs typeface="Menlo" charset="0"/>
+              </a:rPr>
+              <a:t>Development and maintenance of platform</a:t>
+            </a:r>
+            <a:endParaRPr lang="en-US" sz="800" dirty="0">
+              <a:latin typeface="Menlo" charset="0"/>
+              <a:ea typeface="Menlo" charset="0"/>
+              <a:cs typeface="Menlo" charset="0"/>
+            </a:endParaRPr>
+          </a:p>
+        </p:txBody>
+      </p:sp>
+      <p:sp>
+        <p:nvSpPr>
+          <p:cNvPr id="46" name="TextBox 45"/>
+          <p:cNvSpPr txBox="1"/>
+          <p:nvPr/>
+        </p:nvSpPr>
+        <p:spPr>
+          <a:xfrm>
+            <a:off x="3584671" y="3614504"/>
+            <a:ext cx="1331196" cy="215444"/>
+          </a:xfrm>
+          <a:prstGeom prst="rect">
+            <a:avLst/>
+          </a:prstGeom>
+          <a:solidFill>
+            <a:srgbClr val="FFFF00"/>
+          </a:solidFill>
+        </p:spPr>
+        <p:txBody>
+          <a:bodyPr wrap="square" rtlCol="0">
+            <a:spAutoFit/>
+          </a:bodyPr>
+          <a:lstStyle/>
+          <a:p>
+            <a:r>
+              <a:rPr lang="en-US" sz="800" dirty="0" smtClean="0">
+                <a:latin typeface="Menlo" charset="0"/>
+                <a:ea typeface="Menlo" charset="0"/>
+                <a:cs typeface="Menlo" charset="0"/>
+              </a:rPr>
+              <a:t>Coder</a:t>
+            </a:r>
+            <a:endParaRPr lang="en-US" sz="800" dirty="0">
+              <a:latin typeface="Menlo" charset="0"/>
+              <a:ea typeface="Menlo" charset="0"/>
+              <a:cs typeface="Menlo" charset="0"/>
+            </a:endParaRPr>
+          </a:p>
+        </p:txBody>
+      </p:sp>
+      <p:sp>
+        <p:nvSpPr>
+          <p:cNvPr id="47" name="TextBox 46"/>
+          <p:cNvSpPr txBox="1"/>
+          <p:nvPr/>
+        </p:nvSpPr>
+        <p:spPr>
+          <a:xfrm>
+            <a:off x="3579550" y="4130243"/>
+            <a:ext cx="1331196" cy="338554"/>
+          </a:xfrm>
+          <a:prstGeom prst="rect">
+            <a:avLst/>
+          </a:prstGeom>
+          <a:solidFill>
+            <a:srgbClr val="FFFF00"/>
+          </a:solidFill>
+        </p:spPr>
+        <p:txBody>
+          <a:bodyPr wrap="square" rtlCol="0">
+            <a:spAutoFit/>
+          </a:bodyPr>
+          <a:lstStyle/>
+          <a:p>
+            <a:r>
+              <a:rPr lang="en-US" sz="800" dirty="0" smtClean="0">
+                <a:latin typeface="Menlo" charset="0"/>
+                <a:ea typeface="Menlo" charset="0"/>
+                <a:cs typeface="Menlo" charset="0"/>
+              </a:rPr>
+              <a:t>Moderator &amp; Arbitrator</a:t>
+            </a:r>
+            <a:endParaRPr lang="en-US" sz="800" dirty="0">
+              <a:latin typeface="Menlo" charset="0"/>
+              <a:ea typeface="Menlo" charset="0"/>
+              <a:cs typeface="Menlo" charset="0"/>
+            </a:endParaRPr>
+          </a:p>
+        </p:txBody>
+      </p:sp>
+      <p:sp>
+        <p:nvSpPr>
+          <p:cNvPr id="48" name="TextBox 47"/>
+          <p:cNvSpPr txBox="1"/>
+          <p:nvPr/>
+        </p:nvSpPr>
+        <p:spPr>
+          <a:xfrm>
+            <a:off x="1764338" y="1401163"/>
+            <a:ext cx="1331196" cy="461665"/>
+          </a:xfrm>
+          <a:prstGeom prst="rect">
+            <a:avLst/>
+          </a:prstGeom>
+          <a:solidFill>
+            <a:srgbClr val="FFFF00"/>
+          </a:solidFill>
+        </p:spPr>
+        <p:txBody>
+          <a:bodyPr wrap="square" rtlCol="0">
+            <a:spAutoFit/>
+          </a:bodyPr>
+          <a:lstStyle/>
+          <a:p>
+            <a:r>
+              <a:rPr lang="en-US" sz="800" smtClean="0">
+                <a:latin typeface="Menlo" charset="0"/>
+                <a:ea typeface="Menlo" charset="0"/>
+                <a:cs typeface="Menlo" charset="0"/>
+              </a:rPr>
+              <a:t>Oversea educational institutions</a:t>
+            </a:r>
+            <a:endParaRPr lang="en-US" sz="800" dirty="0">
+              <a:latin typeface="Menlo" charset="0"/>
+              <a:ea typeface="Menlo" charset="0"/>
+              <a:cs typeface="Menlo" charset="0"/>
+            </a:endParaRPr>
+          </a:p>
+        </p:txBody>
+      </p:sp>
+      <p:sp>
+        <p:nvSpPr>
+          <p:cNvPr id="49" name="TextBox 48"/>
+          <p:cNvSpPr txBox="1"/>
+          <p:nvPr/>
+        </p:nvSpPr>
+        <p:spPr>
+          <a:xfrm>
+            <a:off x="1780555" y="2351804"/>
+            <a:ext cx="1331196" cy="215444"/>
+          </a:xfrm>
+          <a:prstGeom prst="rect">
+            <a:avLst/>
+          </a:prstGeom>
+          <a:solidFill>
+            <a:srgbClr val="FFFF00"/>
+          </a:solidFill>
+        </p:spPr>
+        <p:txBody>
+          <a:bodyPr wrap="square" rtlCol="0">
+            <a:spAutoFit/>
+          </a:bodyPr>
+          <a:lstStyle/>
+          <a:p>
+            <a:r>
+              <a:rPr lang="en-US" sz="800" dirty="0" smtClean="0">
+                <a:latin typeface="Menlo" charset="0"/>
+                <a:ea typeface="Menlo" charset="0"/>
+                <a:cs typeface="Menlo" charset="0"/>
+              </a:rPr>
+              <a:t>University</a:t>
+            </a:r>
+            <a:endParaRPr lang="en-US" sz="800" dirty="0">
+              <a:latin typeface="Menlo" charset="0"/>
+              <a:ea typeface="Menlo" charset="0"/>
+              <a:cs typeface="Menlo" charset="0"/>
+            </a:endParaRPr>
+          </a:p>
+        </p:txBody>
+      </p:sp>
+      <p:sp>
+        <p:nvSpPr>
+          <p:cNvPr id="50" name="TextBox 49"/>
+          <p:cNvSpPr txBox="1"/>
+          <p:nvPr/>
+        </p:nvSpPr>
+        <p:spPr>
+          <a:xfrm>
+            <a:off x="6598806" y="5712478"/>
+            <a:ext cx="1331196" cy="338554"/>
+          </a:xfrm>
+          <a:prstGeom prst="rect">
+            <a:avLst/>
+          </a:prstGeom>
+          <a:solidFill>
+            <a:srgbClr val="FFFF00"/>
+          </a:solidFill>
+        </p:spPr>
+        <p:txBody>
+          <a:bodyPr wrap="square" rtlCol="0">
+            <a:spAutoFit/>
+          </a:bodyPr>
+          <a:lstStyle/>
+          <a:p>
+            <a:r>
+              <a:rPr lang="en-US" sz="800" dirty="0" smtClean="0">
+                <a:latin typeface="Menlo" charset="0"/>
+                <a:ea typeface="Menlo" charset="0"/>
+                <a:cs typeface="Menlo" charset="0"/>
+              </a:rPr>
+              <a:t>Advertising (or coupon-styled)</a:t>
+            </a:r>
+            <a:endParaRPr lang="en-US" sz="800" dirty="0">
+              <a:latin typeface="Menlo" charset="0"/>
+              <a:ea typeface="Menlo" charset="0"/>
+              <a:cs typeface="Menlo" charset="0"/>
+            </a:endParaRPr>
+          </a:p>
+        </p:txBody>
+      </p:sp>
+      <p:sp>
+        <p:nvSpPr>
+          <p:cNvPr id="51" name="TextBox 50"/>
+          <p:cNvSpPr txBox="1"/>
+          <p:nvPr/>
+        </p:nvSpPr>
+        <p:spPr>
+          <a:xfrm>
+            <a:off x="6579940" y="6247650"/>
+            <a:ext cx="1331196" cy="338554"/>
+          </a:xfrm>
+          <a:prstGeom prst="rect">
+            <a:avLst/>
+          </a:prstGeom>
+          <a:solidFill>
+            <a:srgbClr val="FFFF00"/>
+          </a:solidFill>
+        </p:spPr>
+        <p:txBody>
+          <a:bodyPr wrap="square" rtlCol="0">
+            <a:spAutoFit/>
+          </a:bodyPr>
+          <a:lstStyle/>
+          <a:p>
+            <a:r>
+              <a:rPr lang="en-US" sz="800" dirty="0" smtClean="0">
+                <a:latin typeface="Menlo" charset="0"/>
+                <a:ea typeface="Menlo" charset="0"/>
+                <a:cs typeface="Menlo" charset="0"/>
+              </a:rPr>
+              <a:t>Promotion of housing resources</a:t>
+            </a:r>
+            <a:endParaRPr lang="en-US" sz="800" dirty="0">
+              <a:latin typeface="Menlo" charset="0"/>
+              <a:ea typeface="Menlo" charset="0"/>
+              <a:cs typeface="Menlo" charset="0"/>
+            </a:endParaRPr>
+          </a:p>
+        </p:txBody>
+      </p:sp>
+      <p:sp>
+        <p:nvSpPr>
+          <p:cNvPr id="52" name="TextBox 51"/>
+          <p:cNvSpPr txBox="1"/>
+          <p:nvPr/>
+        </p:nvSpPr>
+        <p:spPr>
+          <a:xfrm>
+            <a:off x="1916777" y="5673252"/>
+            <a:ext cx="1331196" cy="215444"/>
+          </a:xfrm>
+          <a:prstGeom prst="rect">
+            <a:avLst/>
+          </a:prstGeom>
+          <a:solidFill>
+            <a:srgbClr val="FFFF00"/>
+          </a:solidFill>
+        </p:spPr>
+        <p:txBody>
+          <a:bodyPr wrap="square" rtlCol="0">
+            <a:spAutoFit/>
+          </a:bodyPr>
+          <a:lstStyle/>
+          <a:p>
+            <a:r>
+              <a:rPr lang="en-US" sz="800" dirty="0" smtClean="0">
+                <a:latin typeface="Menlo" charset="0"/>
+                <a:ea typeface="Menlo" charset="0"/>
+                <a:cs typeface="Menlo" charset="0"/>
+              </a:rPr>
+              <a:t>Server maintenance</a:t>
+            </a:r>
+            <a:endParaRPr lang="en-US" sz="800" dirty="0">
+              <a:latin typeface="Menlo" charset="0"/>
+              <a:ea typeface="Menlo" charset="0"/>
+              <a:cs typeface="Menlo" charset="0"/>
+            </a:endParaRPr>
+          </a:p>
+        </p:txBody>
+      </p:sp>
+      <p:sp>
+        <p:nvSpPr>
+          <p:cNvPr id="53" name="TextBox 52"/>
+          <p:cNvSpPr txBox="1"/>
+          <p:nvPr/>
+        </p:nvSpPr>
+        <p:spPr>
+          <a:xfrm>
+            <a:off x="1916777" y="6050182"/>
+            <a:ext cx="1331196" cy="215444"/>
+          </a:xfrm>
+          <a:prstGeom prst="rect">
+            <a:avLst/>
+          </a:prstGeom>
+          <a:solidFill>
+            <a:srgbClr val="FFFF00"/>
+          </a:solidFill>
+        </p:spPr>
+        <p:txBody>
+          <a:bodyPr wrap="square" rtlCol="0">
+            <a:spAutoFit/>
+          </a:bodyPr>
+          <a:lstStyle/>
+          <a:p>
+            <a:r>
+              <a:rPr lang="en-US" sz="800" smtClean="0">
+                <a:latin typeface="Menlo" charset="0"/>
+                <a:ea typeface="Menlo" charset="0"/>
+                <a:cs typeface="Menlo" charset="0"/>
+              </a:rPr>
+              <a:t>Labor</a:t>
+            </a:r>
+            <a:endParaRPr lang="en-US" sz="800" dirty="0">
+              <a:latin typeface="Menlo" charset="0"/>
+              <a:ea typeface="Menlo" charset="0"/>
+              <a:cs typeface="Menlo" charset="0"/>
+            </a:endParaRPr>
+          </a:p>
+        </p:txBody>
+      </p:sp>
+      <p:sp>
+        <p:nvSpPr>
+          <p:cNvPr id="54" name="TextBox 53"/>
+          <p:cNvSpPr txBox="1"/>
+          <p:nvPr/>
+        </p:nvSpPr>
+        <p:spPr>
+          <a:xfrm>
+            <a:off x="1916777" y="6438002"/>
+            <a:ext cx="1331196" cy="215444"/>
+          </a:xfrm>
+          <a:prstGeom prst="rect">
+            <a:avLst/>
+          </a:prstGeom>
+          <a:solidFill>
+            <a:srgbClr val="FFFF00"/>
+          </a:solidFill>
+        </p:spPr>
+        <p:txBody>
+          <a:bodyPr wrap="square" rtlCol="0">
+            <a:spAutoFit/>
+          </a:bodyPr>
+          <a:lstStyle/>
+          <a:p>
+            <a:r>
+              <a:rPr lang="en-US" sz="800" dirty="0" smtClean="0">
+                <a:latin typeface="Menlo" charset="0"/>
+                <a:ea typeface="Menlo" charset="0"/>
+                <a:cs typeface="Menlo" charset="0"/>
+              </a:rPr>
+              <a:t>Advertising</a:t>
+            </a:r>
+            <a:endParaRPr lang="en-US" sz="800" dirty="0">
+              <a:latin typeface="Menlo" charset="0"/>
+              <a:ea typeface="Menlo" charset="0"/>
+              <a:cs typeface="Menlo" charset="0"/>
+            </a:endParaRPr>
+          </a:p>
+        </p:txBody>
+      </p:sp>
+      <p:sp>
+        <p:nvSpPr>
+          <p:cNvPr id="55" name="TextBox 54"/>
+          <p:cNvSpPr txBox="1"/>
+          <p:nvPr/>
+        </p:nvSpPr>
+        <p:spPr>
+          <a:xfrm>
+            <a:off x="8216392" y="6050182"/>
+            <a:ext cx="1331196" cy="215444"/>
+          </a:xfrm>
+          <a:prstGeom prst="rect">
+            <a:avLst/>
+          </a:prstGeom>
+          <a:solidFill>
+            <a:srgbClr val="FFFF00"/>
+          </a:solidFill>
+        </p:spPr>
+        <p:txBody>
+          <a:bodyPr wrap="square" rtlCol="0">
+            <a:spAutoFit/>
+          </a:bodyPr>
+          <a:lstStyle/>
+          <a:p>
+            <a:r>
+              <a:rPr lang="en-US" sz="800" dirty="0" smtClean="0">
+                <a:latin typeface="Menlo" charset="0"/>
+                <a:ea typeface="Menlo" charset="0"/>
+                <a:cs typeface="Menlo" charset="0"/>
+              </a:rPr>
+              <a:t>Processing Fee</a:t>
+            </a:r>
+            <a:endParaRPr lang="en-US" sz="800" dirty="0">
+              <a:latin typeface="Menlo" charset="0"/>
+              <a:ea typeface="Menlo" charset="0"/>
+              <a:cs typeface="Menlo" charset="0"/>
+            </a:endParaRPr>
           </a:p>
         </p:txBody>
       </p:sp>
